--- a/Assignment2/study_paperreview_20240927_정세형.pptx
+++ b/Assignment2/study_paperreview_20240927_정세형.pptx
@@ -5,21 +5,20 @@
     <p:sldMasterId id="2147483672" r:id="rId1"/>
   </p:sldMasterIdLst>
   <p:notesMasterIdLst>
-    <p:notesMasterId r:id="rId14"/>
+    <p:notesMasterId r:id="rId13"/>
   </p:notesMasterIdLst>
   <p:sldIdLst>
     <p:sldId id="256" r:id="rId2"/>
-    <p:sldId id="304" r:id="rId3"/>
-    <p:sldId id="303" r:id="rId4"/>
-    <p:sldId id="306" r:id="rId5"/>
-    <p:sldId id="305" r:id="rId6"/>
+    <p:sldId id="303" r:id="rId3"/>
+    <p:sldId id="306" r:id="rId4"/>
+    <p:sldId id="305" r:id="rId5"/>
+    <p:sldId id="314" r:id="rId6"/>
     <p:sldId id="307" r:id="rId7"/>
     <p:sldId id="308" r:id="rId8"/>
     <p:sldId id="309" r:id="rId9"/>
     <p:sldId id="310" r:id="rId10"/>
-    <p:sldId id="311" r:id="rId11"/>
-    <p:sldId id="312" r:id="rId12"/>
-    <p:sldId id="313" r:id="rId13"/>
+    <p:sldId id="312" r:id="rId11"/>
+    <p:sldId id="313" r:id="rId12"/>
   </p:sldIdLst>
   <p:sldSz cx="18288000" cy="10287000"/>
   <p:notesSz cx="10287000" cy="18288000"/>
@@ -731,88 +730,6 @@
           <a:bodyPr/>
           <a:lstStyle/>
           <a:p>
-            <a:r>
-              <a:rPr lang="ko-KR" altLang="en-US" dirty="0"/>
-              <a:t>감마파에서 음성 관련된 뇌파가 많이 나온다</a:t>
-            </a:r>
-            <a:r>
-              <a:rPr lang="en-US" altLang="ko-KR" dirty="0"/>
-              <a:t>.</a:t>
-            </a:r>
-            <a:endParaRPr lang="ko-KR" altLang="en-US" dirty="0"/>
-          </a:p>
-        </p:txBody>
-      </p:sp>
-    </p:spTree>
-    <p:extLst>
-      <p:ext uri="{BB962C8B-B14F-4D97-AF65-F5344CB8AC3E}">
-        <p14:creationId xmlns:p14="http://schemas.microsoft.com/office/powerpoint/2010/main" val="1242067077"/>
-      </p:ext>
-    </p:extLst>
-  </p:cSld>
-  <p:clrMapOvr>
-    <a:masterClrMapping/>
-  </p:clrMapOvr>
-</p:notes>
-</file>
-
-<file path=ppt/notesSlides/notesSlide11.xml><?xml version="1.0" encoding="utf-8"?>
-<p:notes xmlns:a="http://schemas.openxmlformats.org/drawingml/2006/main" xmlns:r="http://schemas.openxmlformats.org/officeDocument/2006/relationships" xmlns:p="http://schemas.openxmlformats.org/presentationml/2006/main">
-  <p:cSld>
-    <p:spTree>
-      <p:nvGrpSpPr>
-        <p:cNvPr id="1" name=""/>
-        <p:cNvGrpSpPr/>
-        <p:nvPr/>
-      </p:nvGrpSpPr>
-      <p:grpSpPr>
-        <a:xfrm>
-          <a:off x="0" y="0"/>
-          <a:ext cx="0" cy="0"/>
-          <a:chOff x="0" y="0"/>
-          <a:chExt cx="0" cy="0"/>
-        </a:xfrm>
-      </p:grpSpPr>
-      <p:sp>
-        <p:nvSpPr>
-          <p:cNvPr id="2" name="슬라이드 이미지 개체 틀 1"/>
-          <p:cNvSpPr>
-            <a:spLocks noGrp="1" noRot="1" noChangeAspect="1"/>
-          </p:cNvSpPr>
-          <p:nvPr>
-            <p:ph type="sldImg"/>
-          </p:nvPr>
-        </p:nvSpPr>
-        <p:spPr>
-          <a:xfrm>
-            <a:off x="-952500" y="1371600"/>
-            <a:ext cx="12192000" cy="6858000"/>
-          </a:xfrm>
-        </p:spPr>
-      </p:sp>
-      <p:sp>
-        <p:nvSpPr>
-          <p:cNvPr id="3" name="슬라이드 노트 개체 틀 2"/>
-          <p:cNvSpPr>
-            <a:spLocks noGrp="1"/>
-          </p:cNvSpPr>
-          <p:nvPr>
-            <p:ph type="body" idx="1"/>
-          </p:nvPr>
-        </p:nvSpPr>
-        <p:spPr/>
-        <p:txBody>
-          <a:bodyPr/>
-          <a:lstStyle/>
-          <a:p>
-            <a:r>
-              <a:rPr lang="ko-KR" altLang="en-US" dirty="0"/>
-              <a:t>감마파에서 음성 관련된 뇌파가 많이 나온다</a:t>
-            </a:r>
-            <a:r>
-              <a:rPr lang="en-US" altLang="ko-KR" dirty="0"/>
-              <a:t>.</a:t>
-            </a:r>
             <a:endParaRPr lang="ko-KR" altLang="en-US" dirty="0"/>
           </a:p>
         </p:txBody>
@@ -830,7 +747,7 @@
 </p:notes>
 </file>
 
-<file path=ppt/notesSlides/notesSlide12.xml><?xml version="1.0" encoding="utf-8"?>
+<file path=ppt/notesSlides/notesSlide11.xml><?xml version="1.0" encoding="utf-8"?>
 <p:notes xmlns:a="http://schemas.openxmlformats.org/drawingml/2006/main" xmlns:r="http://schemas.openxmlformats.org/officeDocument/2006/relationships" xmlns:p="http://schemas.openxmlformats.org/presentationml/2006/main">
   <p:cSld>
     <p:spTree>
@@ -953,14 +870,6 @@
           <a:bodyPr/>
           <a:lstStyle/>
           <a:p>
-            <a:r>
-              <a:rPr lang="ko-KR" altLang="en-US" dirty="0"/>
-              <a:t>감마파에서 음성 관련된 뇌파가 많이 나온다</a:t>
-            </a:r>
-            <a:r>
-              <a:rPr lang="en-US" altLang="ko-KR" dirty="0"/>
-              <a:t>.</a:t>
-            </a:r>
             <a:endParaRPr lang="ko-KR" altLang="en-US" dirty="0"/>
           </a:p>
         </p:txBody>
@@ -968,7 +877,7 @@
     </p:spTree>
     <p:extLst>
       <p:ext uri="{BB962C8B-B14F-4D97-AF65-F5344CB8AC3E}">
-        <p14:creationId xmlns:p14="http://schemas.microsoft.com/office/powerpoint/2010/main" val="2709913235"/>
+        <p14:creationId xmlns:p14="http://schemas.microsoft.com/office/powerpoint/2010/main" val="2455334816"/>
       </p:ext>
     </p:extLst>
   </p:cSld>
@@ -1027,14 +936,6 @@
           <a:bodyPr/>
           <a:lstStyle/>
           <a:p>
-            <a:r>
-              <a:rPr lang="ko-KR" altLang="en-US" dirty="0"/>
-              <a:t>감마파에서 음성 관련된 뇌파가 많이 나온다</a:t>
-            </a:r>
-            <a:r>
-              <a:rPr lang="en-US" altLang="ko-KR" dirty="0"/>
-              <a:t>.</a:t>
-            </a:r>
             <a:endParaRPr lang="ko-KR" altLang="en-US" dirty="0"/>
           </a:p>
         </p:txBody>
@@ -1042,7 +943,7 @@
     </p:spTree>
     <p:extLst>
       <p:ext uri="{BB962C8B-B14F-4D97-AF65-F5344CB8AC3E}">
-        <p14:creationId xmlns:p14="http://schemas.microsoft.com/office/powerpoint/2010/main" val="2455334816"/>
+        <p14:creationId xmlns:p14="http://schemas.microsoft.com/office/powerpoint/2010/main" val="2110766142"/>
       </p:ext>
     </p:extLst>
   </p:cSld>
@@ -1101,14 +1002,9 @@
           <a:bodyPr/>
           <a:lstStyle/>
           <a:p>
-            <a:r>
-              <a:rPr lang="ko-KR" altLang="en-US" dirty="0"/>
-              <a:t>감마파에서 음성 관련된 뇌파가 많이 나온다</a:t>
-            </a:r>
-            <a:r>
-              <a:rPr lang="en-US" altLang="ko-KR" dirty="0"/>
-              <a:t>.</a:t>
-            </a:r>
+            <a:pPr marL="158750" indent="0">
+              <a:buNone/>
+            </a:pPr>
             <a:endParaRPr lang="ko-KR" altLang="en-US" dirty="0"/>
           </a:p>
         </p:txBody>
@@ -1116,7 +1012,7 @@
     </p:spTree>
     <p:extLst>
       <p:ext uri="{BB962C8B-B14F-4D97-AF65-F5344CB8AC3E}">
-        <p14:creationId xmlns:p14="http://schemas.microsoft.com/office/powerpoint/2010/main" val="2110766142"/>
+        <p14:creationId xmlns:p14="http://schemas.microsoft.com/office/powerpoint/2010/main" val="1181528602"/>
       </p:ext>
     </p:extLst>
   </p:cSld>
@@ -1175,14 +1071,9 @@
           <a:bodyPr/>
           <a:lstStyle/>
           <a:p>
-            <a:r>
-              <a:rPr lang="ko-KR" altLang="en-US" dirty="0"/>
-              <a:t>감마파에서 음성 관련된 뇌파가 많이 나온다</a:t>
-            </a:r>
-            <a:r>
-              <a:rPr lang="en-US" altLang="ko-KR" dirty="0"/>
-              <a:t>.</a:t>
-            </a:r>
+            <a:pPr marL="158750" indent="0">
+              <a:buNone/>
+            </a:pPr>
             <a:endParaRPr lang="ko-KR" altLang="en-US" dirty="0"/>
           </a:p>
         </p:txBody>
@@ -1190,7 +1081,7 @@
     </p:spTree>
     <p:extLst>
       <p:ext uri="{BB962C8B-B14F-4D97-AF65-F5344CB8AC3E}">
-        <p14:creationId xmlns:p14="http://schemas.microsoft.com/office/powerpoint/2010/main" val="1181528602"/>
+        <p14:creationId xmlns:p14="http://schemas.microsoft.com/office/powerpoint/2010/main" val="1038434151"/>
       </p:ext>
     </p:extLst>
   </p:cSld>
@@ -1249,14 +1140,6 @@
           <a:bodyPr/>
           <a:lstStyle/>
           <a:p>
-            <a:r>
-              <a:rPr lang="ko-KR" altLang="en-US" dirty="0"/>
-              <a:t>감마파에서 음성 관련된 뇌파가 많이 나온다</a:t>
-            </a:r>
-            <a:r>
-              <a:rPr lang="en-US" altLang="ko-KR" dirty="0"/>
-              <a:t>.</a:t>
-            </a:r>
             <a:endParaRPr lang="ko-KR" altLang="en-US" dirty="0"/>
           </a:p>
         </p:txBody>
@@ -1323,14 +1206,6 @@
           <a:bodyPr/>
           <a:lstStyle/>
           <a:p>
-            <a:r>
-              <a:rPr lang="ko-KR" altLang="en-US" dirty="0"/>
-              <a:t>감마파에서 음성 관련된 뇌파가 많이 나온다</a:t>
-            </a:r>
-            <a:r>
-              <a:rPr lang="en-US" altLang="ko-KR" dirty="0"/>
-              <a:t>.</a:t>
-            </a:r>
             <a:endParaRPr lang="ko-KR" altLang="en-US" dirty="0"/>
           </a:p>
         </p:txBody>
@@ -1397,14 +1272,6 @@
           <a:bodyPr/>
           <a:lstStyle/>
           <a:p>
-            <a:r>
-              <a:rPr lang="ko-KR" altLang="en-US" dirty="0"/>
-              <a:t>감마파에서 음성 관련된 뇌파가 많이 나온다</a:t>
-            </a:r>
-            <a:r>
-              <a:rPr lang="en-US" altLang="ko-KR" dirty="0"/>
-              <a:t>.</a:t>
-            </a:r>
             <a:endParaRPr lang="ko-KR" altLang="en-US" dirty="0"/>
           </a:p>
         </p:txBody>
@@ -1471,14 +1338,9 @@
           <a:bodyPr/>
           <a:lstStyle/>
           <a:p>
-            <a:r>
-              <a:rPr lang="ko-KR" altLang="en-US" dirty="0"/>
-              <a:t>감마파에서 음성 관련된 뇌파가 많이 나온다</a:t>
-            </a:r>
-            <a:r>
-              <a:rPr lang="en-US" altLang="ko-KR" dirty="0"/>
-              <a:t>.</a:t>
-            </a:r>
+            <a:pPr marL="158750" indent="0">
+              <a:buNone/>
+            </a:pPr>
             <a:endParaRPr lang="ko-KR" altLang="en-US" dirty="0"/>
           </a:p>
         </p:txBody>
@@ -5000,9 +4862,18 @@
         <p:spPr/>
         <p:txBody>
           <a:bodyPr>
-            <a:normAutofit/>
+            <a:normAutofit fontScale="92500" lnSpcReduction="20000"/>
           </a:bodyPr>
           <a:lstStyle/>
+          <a:p>
+            <a:pPr marL="0" indent="0">
+              <a:buNone/>
+            </a:pPr>
+            <a:r>
+              <a:rPr lang="en-US" altLang="ko-KR" b="1" dirty="0"/>
+              <a:t>Future Works</a:t>
+            </a:r>
+          </a:p>
           <a:p>
             <a:pPr>
               <a:buFont typeface="Arial" panose="020B0604020202020204" pitchFamily="34" charset="0"/>
@@ -5010,50 +4881,45 @@
             </a:pPr>
             <a:r>
               <a:rPr lang="en-US" altLang="ko-KR" dirty="0"/>
-              <a:t>Ablation Study</a:t>
-            </a:r>
-          </a:p>
-        </p:txBody>
-      </p:sp>
-      <p:pic>
-        <p:nvPicPr>
-          <p:cNvPr id="6" name="그림 5">
-            <a:extLst>
-              <a:ext uri="{FF2B5EF4-FFF2-40B4-BE49-F238E27FC236}">
-                <a16:creationId xmlns:a16="http://schemas.microsoft.com/office/drawing/2014/main" id="{53C0F43F-E517-AF79-FAAB-1BE87B2E2040}"/>
-              </a:ext>
-            </a:extLst>
-          </p:cNvPr>
-          <p:cNvPicPr>
-            <a:picLocks noChangeAspect="1"/>
-          </p:cNvPicPr>
-          <p:nvPr/>
-        </p:nvPicPr>
-        <p:blipFill>
-          <a:blip r:embed="rId3"/>
-          <a:stretch>
-            <a:fillRect/>
-          </a:stretch>
-        </p:blipFill>
-        <p:spPr>
-          <a:xfrm>
-            <a:off x="2981911" y="4100409"/>
-            <a:ext cx="12324178" cy="4312071"/>
-          </a:xfrm>
-          <a:prstGeom prst="rect">
-            <a:avLst/>
-          </a:prstGeom>
-          <a:ln>
-            <a:solidFill>
-              <a:schemeClr val="tx1"/>
-            </a:solidFill>
-          </a:ln>
-        </p:spPr>
-      </p:pic>
+              <a:t>The method was tested on a non-public dataset, as it had larger and more diverse classes than other public datasets, which usually have only a few classes. </a:t>
+            </a:r>
+          </a:p>
+          <a:p>
+            <a:pPr>
+              <a:buFont typeface="Arial" panose="020B0604020202020204" pitchFamily="34" charset="0"/>
+              <a:buChar char="•"/>
+            </a:pPr>
+            <a:r>
+              <a:rPr lang="en-US" altLang="ko-KR" dirty="0"/>
+              <a:t>Although the EEG dataset was relatively large, it may still be inadequate for large deep-learning models to optimize effectively. </a:t>
+            </a:r>
+          </a:p>
+          <a:p>
+            <a:pPr>
+              <a:buFont typeface="Arial" panose="020B0604020202020204" pitchFamily="34" charset="0"/>
+              <a:buChar char="•"/>
+            </a:pPr>
+            <a:r>
+              <a:rPr lang="en-US" altLang="ko-KR" dirty="0"/>
+              <a:t>They plan to collect larger datasets with more subjects and apply their method to various EEG paradigms, including motor imagery and event-related potentials. </a:t>
+            </a:r>
+          </a:p>
+          <a:p>
+            <a:pPr>
+              <a:buFont typeface="Arial" panose="020B0604020202020204" pitchFamily="34" charset="0"/>
+              <a:buChar char="•"/>
+            </a:pPr>
+            <a:r>
+              <a:rPr lang="en-US" altLang="ko-KR" dirty="0"/>
+              <a:t>They also plan to investigate methods for end-to-end learning directly from raw EEG signals, potentially reducing the need for extensive pre-processing and enhancing the efficiency of their method.</a:t>
+            </a:r>
+          </a:p>
+        </p:txBody>
+      </p:sp>
     </p:spTree>
     <p:extLst>
       <p:ext uri="{BB962C8B-B14F-4D97-AF65-F5344CB8AC3E}">
-        <p14:creationId xmlns:p14="http://schemas.microsoft.com/office/powerpoint/2010/main" val="1568672460"/>
+        <p14:creationId xmlns:p14="http://schemas.microsoft.com/office/powerpoint/2010/main" val="472337856"/>
       </p:ext>
     </p:extLst>
   </p:cSld>
@@ -5103,7 +4969,7 @@
           <a:p>
             <a:r>
               <a:rPr lang="en-US" altLang="ko-KR" b="1" dirty="0"/>
-              <a:t>Results and Discussion</a:t>
+              <a:t>Conclusion</a:t>
             </a:r>
             <a:endParaRPr lang="ko-KR" altLang="en-US" dirty="0"/>
           </a:p>
@@ -5128,18 +4994,9 @@
         <p:spPr/>
         <p:txBody>
           <a:bodyPr>
-            <a:normAutofit fontScale="92500" lnSpcReduction="20000"/>
+            <a:normAutofit/>
           </a:bodyPr>
           <a:lstStyle/>
-          <a:p>
-            <a:pPr marL="0" indent="0">
-              <a:buNone/>
-            </a:pPr>
-            <a:r>
-              <a:rPr lang="en-US" altLang="ko-KR" b="1" dirty="0"/>
-              <a:t>Future Works</a:t>
-            </a:r>
-          </a:p>
           <a:p>
             <a:pPr>
               <a:buFont typeface="Arial" panose="020B0604020202020204" pitchFamily="34" charset="0"/>
@@ -5147,7 +5004,23 @@
             </a:pPr>
             <a:r>
               <a:rPr lang="en-US" altLang="ko-KR" dirty="0"/>
-              <a:t>The method was tested on a non-public dataset, as it had larger and more diverse classes than other public datasets, which usually have only a few classes. </a:t>
+              <a:t>The use of DDPMs provides an innovative solution that has demonstrated superior performance compared to traditional methods such as </a:t>
+            </a:r>
+            <a:r>
+              <a:rPr lang="en-US" altLang="ko-KR" dirty="0" err="1"/>
+              <a:t>DeepConvNet</a:t>
+            </a:r>
+            <a:r>
+              <a:rPr lang="en-US" altLang="ko-KR" dirty="0"/>
+              <a:t> and </a:t>
+            </a:r>
+            <a:r>
+              <a:rPr lang="en-US" altLang="ko-KR" dirty="0" err="1"/>
+              <a:t>EEGNet</a:t>
+            </a:r>
+            <a:r>
+              <a:rPr lang="en-US" altLang="ko-KR" dirty="0"/>
+              <a:t>. </a:t>
             </a:r>
           </a:p>
           <a:p>
@@ -5157,7 +5030,23 @@
             </a:pPr>
             <a:r>
               <a:rPr lang="en-US" altLang="ko-KR" dirty="0"/>
-              <a:t>Although the EEG dataset was relatively large, it may still be inadequate for large deep-learning models to optimize effectively. </a:t>
+              <a:t>Selecting appropriate model architectures is also important as </a:t>
+            </a:r>
+            <a:r>
+              <a:rPr lang="en-US" altLang="ko-KR" dirty="0" err="1"/>
+              <a:t>DeepConvNet</a:t>
+            </a:r>
+            <a:r>
+              <a:rPr lang="en-US" altLang="ko-KR" dirty="0"/>
+              <a:t> and </a:t>
+            </a:r>
+            <a:r>
+              <a:rPr lang="en-US" altLang="ko-KR" dirty="0" err="1"/>
+              <a:t>EEGNet</a:t>
+            </a:r>
+            <a:r>
+              <a:rPr lang="en-US" altLang="ko-KR" dirty="0"/>
+              <a:t> showed poor performance in our study.</a:t>
             </a:r>
           </a:p>
           <a:p>
@@ -5167,172 +5056,7 @@
             </a:pPr>
             <a:r>
               <a:rPr lang="en-US" altLang="ko-KR" dirty="0"/>
-              <a:t>They plan to collect larger datasets with more subjects and apply their method to various EEG paradigms, including motor imagery and event-related potentials. </a:t>
-            </a:r>
-          </a:p>
-          <a:p>
-            <a:pPr>
-              <a:buFont typeface="Arial" panose="020B0604020202020204" pitchFamily="34" charset="0"/>
-              <a:buChar char="•"/>
-            </a:pPr>
-            <a:r>
-              <a:rPr lang="en-US" altLang="ko-KR" dirty="0"/>
-              <a:t>They also plan to investigate methods for end-to-end learning directly from raw EEG signals, potentially reducing the need for extensive pre-processing and enhancing the efficiency of their method.</a:t>
-            </a:r>
-          </a:p>
-        </p:txBody>
-      </p:sp>
-    </p:spTree>
-    <p:extLst>
-      <p:ext uri="{BB962C8B-B14F-4D97-AF65-F5344CB8AC3E}">
-        <p14:creationId xmlns:p14="http://schemas.microsoft.com/office/powerpoint/2010/main" val="472337856"/>
-      </p:ext>
-    </p:extLst>
-  </p:cSld>
-  <p:clrMapOvr>
-    <a:masterClrMapping/>
-  </p:clrMapOvr>
-</p:sld>
-</file>
-
-<file path=ppt/slides/slide12.xml><?xml version="1.0" encoding="utf-8"?>
-<p:sld xmlns:a="http://schemas.openxmlformats.org/drawingml/2006/main" xmlns:r="http://schemas.openxmlformats.org/officeDocument/2006/relationships" xmlns:p="http://schemas.openxmlformats.org/presentationml/2006/main">
-  <p:cSld>
-    <p:spTree>
-      <p:nvGrpSpPr>
-        <p:cNvPr id="1" name=""/>
-        <p:cNvGrpSpPr/>
-        <p:nvPr/>
-      </p:nvGrpSpPr>
-      <p:grpSpPr>
-        <a:xfrm>
-          <a:off x="0" y="0"/>
-          <a:ext cx="0" cy="0"/>
-          <a:chOff x="0" y="0"/>
-          <a:chExt cx="0" cy="0"/>
-        </a:xfrm>
-      </p:grpSpPr>
-      <p:sp>
-        <p:nvSpPr>
-          <p:cNvPr id="2" name="제목 1">
-            <a:extLst>
-              <a:ext uri="{FF2B5EF4-FFF2-40B4-BE49-F238E27FC236}">
-                <a16:creationId xmlns:a16="http://schemas.microsoft.com/office/drawing/2014/main" id="{0913F7B3-8D60-9993-49B4-D9D4AD54CA4D}"/>
-              </a:ext>
-            </a:extLst>
-          </p:cNvPr>
-          <p:cNvSpPr>
-            <a:spLocks noGrp="1"/>
-          </p:cNvSpPr>
-          <p:nvPr>
-            <p:ph type="title"/>
-          </p:nvPr>
-        </p:nvSpPr>
-        <p:spPr/>
-        <p:txBody>
-          <a:bodyPr/>
-          <a:lstStyle/>
-          <a:p>
-            <a:r>
-              <a:rPr lang="en-US" altLang="ko-KR" b="1" dirty="0"/>
-              <a:t>Conclusion</a:t>
-            </a:r>
-            <a:endParaRPr lang="ko-KR" altLang="en-US" dirty="0"/>
-          </a:p>
-        </p:txBody>
-      </p:sp>
-      <p:sp>
-        <p:nvSpPr>
-          <p:cNvPr id="3" name="내용 개체 틀 2">
-            <a:extLst>
-              <a:ext uri="{FF2B5EF4-FFF2-40B4-BE49-F238E27FC236}">
-                <a16:creationId xmlns:a16="http://schemas.microsoft.com/office/drawing/2014/main" id="{9D321760-1637-3238-E8A2-22A4A8ABADD8}"/>
-              </a:ext>
-            </a:extLst>
-          </p:cNvPr>
-          <p:cNvSpPr>
-            <a:spLocks noGrp="1"/>
-          </p:cNvSpPr>
-          <p:nvPr>
-            <p:ph idx="1"/>
-          </p:nvPr>
-        </p:nvSpPr>
-        <p:spPr/>
-        <p:txBody>
-          <a:bodyPr>
-            <a:normAutofit fontScale="85000" lnSpcReduction="20000"/>
-          </a:bodyPr>
-          <a:lstStyle/>
-          <a:p>
-            <a:pPr>
-              <a:buFont typeface="Arial" panose="020B0604020202020204" pitchFamily="34" charset="0"/>
-              <a:buChar char="•"/>
-            </a:pPr>
-            <a:r>
-              <a:rPr lang="en-US" altLang="ko-KR" dirty="0"/>
-              <a:t>This work contributes to the growing body of research on deep learning-based approaches to EEG signal decoding, specifically for the task of imagined speech. </a:t>
-            </a:r>
-          </a:p>
-          <a:p>
-            <a:pPr>
-              <a:buFont typeface="Arial" panose="020B0604020202020204" pitchFamily="34" charset="0"/>
-              <a:buChar char="•"/>
-            </a:pPr>
-            <a:r>
-              <a:rPr lang="en-US" altLang="ko-KR" dirty="0"/>
-              <a:t>The use of DDPMs provides an innovative solution that has demonstrated superior performance compared to traditional methods such as </a:t>
-            </a:r>
-            <a:r>
-              <a:rPr lang="en-US" altLang="ko-KR" dirty="0" err="1"/>
-              <a:t>DeepConvNet</a:t>
-            </a:r>
-            <a:r>
-              <a:rPr lang="en-US" altLang="ko-KR" dirty="0"/>
-              <a:t> and </a:t>
-            </a:r>
-            <a:r>
-              <a:rPr lang="en-US" altLang="ko-KR" dirty="0" err="1"/>
-              <a:t>EEGNet</a:t>
-            </a:r>
-            <a:r>
-              <a:rPr lang="en-US" altLang="ko-KR" dirty="0"/>
-              <a:t>. </a:t>
-            </a:r>
-          </a:p>
-          <a:p>
-            <a:pPr>
-              <a:buFont typeface="Arial" panose="020B0604020202020204" pitchFamily="34" charset="0"/>
-              <a:buChar char="•"/>
-            </a:pPr>
-            <a:r>
-              <a:rPr lang="en-US" altLang="ko-KR" dirty="0"/>
-              <a:t>Selecting appropriate model architectures for different EEG paradigms is also important that it is crucial to achieving high accuracy and performance in EEG signal decoding, as </a:t>
-            </a:r>
-            <a:r>
-              <a:rPr lang="en-US" altLang="ko-KR" dirty="0" err="1"/>
-              <a:t>DeepConvNet</a:t>
-            </a:r>
-            <a:r>
-              <a:rPr lang="en-US" altLang="ko-KR" dirty="0"/>
-              <a:t> and </a:t>
-            </a:r>
-            <a:r>
-              <a:rPr lang="en-US" altLang="ko-KR" dirty="0" err="1"/>
-              <a:t>EEGNet</a:t>
-            </a:r>
-            <a:r>
-              <a:rPr lang="en-US" altLang="ko-KR" dirty="0"/>
-              <a:t> showed poor performance in our study.</a:t>
-            </a:r>
-          </a:p>
-          <a:p>
-            <a:pPr>
-              <a:buFont typeface="Arial" panose="020B0604020202020204" pitchFamily="34" charset="0"/>
-              <a:buChar char="•"/>
-            </a:pPr>
-            <a:r>
-              <a:rPr lang="en-US" altLang="ko-KR" dirty="0"/>
-              <a:t>Overall, our study provides a promising approach to accurately decoding EEG signals related to imagined speech. </a:t>
+              <a:t>Overall, this study provides a promising approach to accurately decoding EEG signals related to imagined speech. </a:t>
             </a:r>
           </a:p>
           <a:p>
@@ -5435,7 +5159,7 @@
             </a:pPr>
             <a:r>
               <a:rPr lang="en-US" altLang="ko-KR" dirty="0"/>
-              <a:t>Developing effective methods for restoring communication in individuals with locked-in syndrome and other speech impairments is a critical area of research.</a:t>
+              <a:t>Denoising diffusion probabilistic models (DDPMs) have become a powerful tool for identifying sophisticated patterns within complex data, especially when dealing with high-dimensional data.</a:t>
             </a:r>
           </a:p>
           <a:p>
@@ -5445,7 +5169,7 @@
             </a:pPr>
             <a:r>
               <a:rPr lang="en-US" altLang="ko-KR" dirty="0"/>
-              <a:t>EEG decoding for speech processing involves decoding complex and highly variable neural patterns associated with speech production and perception.</a:t>
+              <a:t>The CAE aids in learning meaningful features potentially lost during the forward process in DDPMs.</a:t>
             </a:r>
           </a:p>
           <a:p>
@@ -5455,7 +5179,17 @@
             </a:pPr>
             <a:r>
               <a:rPr lang="en-US" altLang="ko-KR" dirty="0"/>
-              <a:t>Moreover, EEG signals are often contaminated with noise and artifacts, which can affect the accuracy of the decoding process.</a:t>
+              <a:t>In this study, a novel approach to decode EEG signals using DDPMs and a Conditional Autoencoder (CAE) was presented.</a:t>
+            </a:r>
+          </a:p>
+          <a:p>
+            <a:pPr>
+              <a:buFont typeface="Arial" panose="020B0604020202020204" pitchFamily="34" charset="0"/>
+              <a:buChar char="•"/>
+            </a:pPr>
+            <a:r>
+              <a:rPr lang="en-US" altLang="ko-KR" dirty="0"/>
+              <a:t>This proposed approach represents the first attempt to utilize diffusion models to decode EEG signals associated with imagined speech.</a:t>
             </a:r>
           </a:p>
         </p:txBody>
@@ -5463,7 +5197,7 @@
     </p:spTree>
     <p:extLst>
       <p:ext uri="{BB962C8B-B14F-4D97-AF65-F5344CB8AC3E}">
-        <p14:creationId xmlns:p14="http://schemas.microsoft.com/office/powerpoint/2010/main" val="1099632471"/>
+        <p14:creationId xmlns:p14="http://schemas.microsoft.com/office/powerpoint/2010/main" val="2039663603"/>
       </p:ext>
     </p:extLst>
   </p:cSld>
@@ -5519,74 +5253,92 @@
           </a:p>
         </p:txBody>
       </p:sp>
-      <p:sp>
-        <p:nvSpPr>
-          <p:cNvPr id="3" name="내용 개체 틀 2">
+      <p:pic>
+        <p:nvPicPr>
+          <p:cNvPr id="7" name="그림 6">
             <a:extLst>
               <a:ext uri="{FF2B5EF4-FFF2-40B4-BE49-F238E27FC236}">
-                <a16:creationId xmlns:a16="http://schemas.microsoft.com/office/drawing/2014/main" id="{9D321760-1637-3238-E8A2-22A4A8ABADD8}"/>
+                <a16:creationId xmlns:a16="http://schemas.microsoft.com/office/drawing/2014/main" id="{21BA1AA9-1CB2-90F1-FE99-975D54EEA95E}"/>
               </a:ext>
             </a:extLst>
           </p:cNvPr>
-          <p:cNvSpPr>
-            <a:spLocks noGrp="1"/>
-          </p:cNvSpPr>
-          <p:nvPr>
-            <p:ph idx="1"/>
-          </p:nvPr>
-        </p:nvSpPr>
-        <p:spPr/>
-        <p:txBody>
-          <a:bodyPr>
-            <a:normAutofit/>
-          </a:bodyPr>
-          <a:lstStyle/>
-          <a:p>
-            <a:pPr>
-              <a:buFont typeface="Arial" panose="020B0604020202020204" pitchFamily="34" charset="0"/>
-              <a:buChar char="•"/>
-            </a:pPr>
-            <a:r>
-              <a:rPr lang="en-US" altLang="ko-KR" dirty="0"/>
-              <a:t>Denoising diffusion probabilistic models (DDPMs) have become a powerful tool for identifying sophisticated patterns within complex data, especially when dealing with high-dimensional data.</a:t>
-            </a:r>
-          </a:p>
-          <a:p>
-            <a:pPr>
-              <a:buFont typeface="Arial" panose="020B0604020202020204" pitchFamily="34" charset="0"/>
-              <a:buChar char="•"/>
-            </a:pPr>
-            <a:r>
-              <a:rPr lang="en-US" altLang="ko-KR" dirty="0"/>
-              <a:t>The CAE aids in learning meaningful features potentially lost during the forward process in DDPMs.</a:t>
-            </a:r>
-          </a:p>
-          <a:p>
-            <a:pPr>
-              <a:buFont typeface="Arial" panose="020B0604020202020204" pitchFamily="34" charset="0"/>
-              <a:buChar char="•"/>
-            </a:pPr>
-            <a:r>
-              <a:rPr lang="en-US" altLang="ko-KR" dirty="0"/>
-              <a:t>In this study, we present a novel approach to decode EEG signals using DDPMs and a Conditional Autoencoder (CAE).</a:t>
-            </a:r>
-          </a:p>
-          <a:p>
-            <a:pPr>
-              <a:buFont typeface="Arial" panose="020B0604020202020204" pitchFamily="34" charset="0"/>
-              <a:buChar char="•"/>
-            </a:pPr>
-            <a:r>
-              <a:rPr lang="en-US" altLang="ko-KR" dirty="0"/>
-              <a:t>This proposed approach represents the first attempt to utilize diffusion models to decode EEG signals associated with imagined speech.</a:t>
-            </a:r>
-          </a:p>
-        </p:txBody>
-      </p:sp>
+          <p:cNvPicPr>
+            <a:picLocks noChangeAspect="1"/>
+          </p:cNvPicPr>
+          <p:nvPr/>
+        </p:nvPicPr>
+        <p:blipFill>
+          <a:blip r:embed="rId3"/>
+          <a:stretch>
+            <a:fillRect/>
+          </a:stretch>
+        </p:blipFill>
+        <p:spPr>
+          <a:xfrm>
+            <a:off x="4747571" y="2353152"/>
+            <a:ext cx="13052749" cy="7203279"/>
+          </a:xfrm>
+          <a:prstGeom prst="rect">
+            <a:avLst/>
+          </a:prstGeom>
+          <a:ln>
+            <a:solidFill>
+              <a:schemeClr val="tx1"/>
+            </a:solidFill>
+          </a:ln>
+        </p:spPr>
+      </p:pic>
+      <p:pic>
+        <p:nvPicPr>
+          <p:cNvPr id="1026" name="Picture 2" descr="undefined">
+            <a:extLst>
+              <a:ext uri="{FF2B5EF4-FFF2-40B4-BE49-F238E27FC236}">
+                <a16:creationId xmlns:a16="http://schemas.microsoft.com/office/drawing/2014/main" id="{4DBCF2D8-E79F-F2F1-78A3-2709960239EB}"/>
+              </a:ext>
+            </a:extLst>
+          </p:cNvPr>
+          <p:cNvPicPr>
+            <a:picLocks noChangeAspect="1" noChangeArrowheads="1"/>
+          </p:cNvPicPr>
+          <p:nvPr/>
+        </p:nvPicPr>
+        <p:blipFill>
+          <a:blip r:embed="rId4">
+            <a:extLst>
+              <a:ext uri="{28A0092B-C50C-407E-A947-70E740481C1C}">
+                <a14:useLocalDpi xmlns:a14="http://schemas.microsoft.com/office/drawing/2010/main" val="0"/>
+              </a:ext>
+            </a:extLst>
+          </a:blip>
+          <a:srcRect/>
+          <a:stretch>
+            <a:fillRect/>
+          </a:stretch>
+        </p:blipFill>
+        <p:spPr bwMode="auto">
+          <a:xfrm>
+            <a:off x="670560" y="3337560"/>
+            <a:ext cx="3825240" cy="3825240"/>
+          </a:xfrm>
+          <a:prstGeom prst="rect">
+            <a:avLst/>
+          </a:prstGeom>
+          <a:noFill/>
+          <a:extLst>
+            <a:ext uri="{909E8E84-426E-40DD-AFC4-6F175D3DCCD1}">
+              <a14:hiddenFill xmlns:a14="http://schemas.microsoft.com/office/drawing/2010/main">
+                <a:solidFill>
+                  <a:srgbClr val="FFFFFF"/>
+                </a:solidFill>
+              </a14:hiddenFill>
+            </a:ext>
+          </a:extLst>
+        </p:spPr>
+      </p:pic>
     </p:spTree>
     <p:extLst>
       <p:ext uri="{BB962C8B-B14F-4D97-AF65-F5344CB8AC3E}">
-        <p14:creationId xmlns:p14="http://schemas.microsoft.com/office/powerpoint/2010/main" val="2039663603"/>
+        <p14:creationId xmlns:p14="http://schemas.microsoft.com/office/powerpoint/2010/main" val="334126783"/>
       </p:ext>
     </p:extLst>
   </p:cSld>
@@ -5636,100 +5388,6 @@
           <a:p>
             <a:r>
               <a:rPr lang="en-US" altLang="ko-KR" b="1" dirty="0"/>
-              <a:t>Introduction</a:t>
-            </a:r>
-            <a:endParaRPr lang="ko-KR" altLang="en-US" dirty="0"/>
-          </a:p>
-        </p:txBody>
-      </p:sp>
-      <p:pic>
-        <p:nvPicPr>
-          <p:cNvPr id="7" name="그림 6">
-            <a:extLst>
-              <a:ext uri="{FF2B5EF4-FFF2-40B4-BE49-F238E27FC236}">
-                <a16:creationId xmlns:a16="http://schemas.microsoft.com/office/drawing/2014/main" id="{21BA1AA9-1CB2-90F1-FE99-975D54EEA95E}"/>
-              </a:ext>
-            </a:extLst>
-          </p:cNvPr>
-          <p:cNvPicPr>
-            <a:picLocks noChangeAspect="1"/>
-          </p:cNvPicPr>
-          <p:nvPr/>
-        </p:nvPicPr>
-        <p:blipFill>
-          <a:blip r:embed="rId3"/>
-          <a:stretch>
-            <a:fillRect/>
-          </a:stretch>
-        </p:blipFill>
-        <p:spPr>
-          <a:xfrm>
-            <a:off x="2617625" y="2353152"/>
-            <a:ext cx="13052749" cy="7203279"/>
-          </a:xfrm>
-          <a:prstGeom prst="rect">
-            <a:avLst/>
-          </a:prstGeom>
-          <a:ln>
-            <a:solidFill>
-              <a:schemeClr val="tx1"/>
-            </a:solidFill>
-          </a:ln>
-        </p:spPr>
-      </p:pic>
-    </p:spTree>
-    <p:extLst>
-      <p:ext uri="{BB962C8B-B14F-4D97-AF65-F5344CB8AC3E}">
-        <p14:creationId xmlns:p14="http://schemas.microsoft.com/office/powerpoint/2010/main" val="334126783"/>
-      </p:ext>
-    </p:extLst>
-  </p:cSld>
-  <p:clrMapOvr>
-    <a:masterClrMapping/>
-  </p:clrMapOvr>
-</p:sld>
-</file>
-
-<file path=ppt/slides/slide5.xml><?xml version="1.0" encoding="utf-8"?>
-<p:sld xmlns:a="http://schemas.openxmlformats.org/drawingml/2006/main" xmlns:r="http://schemas.openxmlformats.org/officeDocument/2006/relationships" xmlns:p="http://schemas.openxmlformats.org/presentationml/2006/main">
-  <p:cSld>
-    <p:spTree>
-      <p:nvGrpSpPr>
-        <p:cNvPr id="1" name=""/>
-        <p:cNvGrpSpPr/>
-        <p:nvPr/>
-      </p:nvGrpSpPr>
-      <p:grpSpPr>
-        <a:xfrm>
-          <a:off x="0" y="0"/>
-          <a:ext cx="0" cy="0"/>
-          <a:chOff x="0" y="0"/>
-          <a:chExt cx="0" cy="0"/>
-        </a:xfrm>
-      </p:grpSpPr>
-      <p:sp>
-        <p:nvSpPr>
-          <p:cNvPr id="2" name="제목 1">
-            <a:extLst>
-              <a:ext uri="{FF2B5EF4-FFF2-40B4-BE49-F238E27FC236}">
-                <a16:creationId xmlns:a16="http://schemas.microsoft.com/office/drawing/2014/main" id="{0913F7B3-8D60-9993-49B4-D9D4AD54CA4D}"/>
-              </a:ext>
-            </a:extLst>
-          </p:cNvPr>
-          <p:cNvSpPr>
-            <a:spLocks noGrp="1"/>
-          </p:cNvSpPr>
-          <p:nvPr>
-            <p:ph type="title"/>
-          </p:nvPr>
-        </p:nvSpPr>
-        <p:spPr/>
-        <p:txBody>
-          <a:bodyPr/>
-          <a:lstStyle/>
-          <a:p>
-            <a:r>
-              <a:rPr lang="en-US" altLang="ko-KR" b="1" dirty="0"/>
               <a:t>Materials and Methods</a:t>
             </a:r>
             <a:endParaRPr lang="ko-KR" altLang="en-US" dirty="0"/>
@@ -5750,8 +5408,8 @@
         </p:nvGrpSpPr>
         <p:grpSpPr>
           <a:xfrm>
-            <a:off x="1104735" y="3640592"/>
-            <a:ext cx="9253036" cy="5944865"/>
+            <a:off x="1257300" y="5270769"/>
+            <a:ext cx="6715706" cy="4314688"/>
             <a:chOff x="718911" y="3640592"/>
             <a:chExt cx="9253036" cy="5944865"/>
           </a:xfrm>
@@ -5968,8 +5626,8 @@
         </p:blipFill>
         <p:spPr>
           <a:xfrm>
-            <a:off x="10743594" y="3640592"/>
-            <a:ext cx="6287106" cy="5944865"/>
+            <a:off x="8717280" y="2084841"/>
+            <a:ext cx="7932420" cy="7500616"/>
           </a:xfrm>
           <a:prstGeom prst="rect">
             <a:avLst/>
@@ -6019,6 +5677,128 @@
     <p:extLst>
       <p:ext uri="{BB962C8B-B14F-4D97-AF65-F5344CB8AC3E}">
         <p14:creationId xmlns:p14="http://schemas.microsoft.com/office/powerpoint/2010/main" val="2662342606"/>
+      </p:ext>
+    </p:extLst>
+  </p:cSld>
+  <p:clrMapOvr>
+    <a:masterClrMapping/>
+  </p:clrMapOvr>
+</p:sld>
+</file>
+
+<file path=ppt/slides/slide5.xml><?xml version="1.0" encoding="utf-8"?>
+<p:sld xmlns:a="http://schemas.openxmlformats.org/drawingml/2006/main" xmlns:r="http://schemas.openxmlformats.org/officeDocument/2006/relationships" xmlns:p="http://schemas.openxmlformats.org/presentationml/2006/main">
+  <p:cSld>
+    <p:spTree>
+      <p:nvGrpSpPr>
+        <p:cNvPr id="1" name=""/>
+        <p:cNvGrpSpPr/>
+        <p:nvPr/>
+      </p:nvGrpSpPr>
+      <p:grpSpPr>
+        <a:xfrm>
+          <a:off x="0" y="0"/>
+          <a:ext cx="0" cy="0"/>
+          <a:chOff x="0" y="0"/>
+          <a:chExt cx="0" cy="0"/>
+        </a:xfrm>
+      </p:grpSpPr>
+      <p:sp>
+        <p:nvSpPr>
+          <p:cNvPr id="2" name="제목 1">
+            <a:extLst>
+              <a:ext uri="{FF2B5EF4-FFF2-40B4-BE49-F238E27FC236}">
+                <a16:creationId xmlns:a16="http://schemas.microsoft.com/office/drawing/2014/main" id="{0913F7B3-8D60-9993-49B4-D9D4AD54CA4D}"/>
+              </a:ext>
+            </a:extLst>
+          </p:cNvPr>
+          <p:cNvSpPr>
+            <a:spLocks noGrp="1"/>
+          </p:cNvSpPr>
+          <p:nvPr>
+            <p:ph type="title"/>
+          </p:nvPr>
+        </p:nvSpPr>
+        <p:spPr/>
+        <p:txBody>
+          <a:bodyPr/>
+          <a:lstStyle/>
+          <a:p>
+            <a:r>
+              <a:rPr lang="en-US" altLang="ko-KR" b="1" dirty="0"/>
+              <a:t>Materials and Methods</a:t>
+            </a:r>
+            <a:endParaRPr lang="ko-KR" altLang="en-US" dirty="0"/>
+          </a:p>
+        </p:txBody>
+      </p:sp>
+      <p:sp>
+        <p:nvSpPr>
+          <p:cNvPr id="3" name="내용 개체 틀 2">
+            <a:extLst>
+              <a:ext uri="{FF2B5EF4-FFF2-40B4-BE49-F238E27FC236}">
+                <a16:creationId xmlns:a16="http://schemas.microsoft.com/office/drawing/2014/main" id="{9D321760-1637-3238-E8A2-22A4A8ABADD8}"/>
+              </a:ext>
+            </a:extLst>
+          </p:cNvPr>
+          <p:cNvSpPr>
+            <a:spLocks noGrp="1"/>
+          </p:cNvSpPr>
+          <p:nvPr>
+            <p:ph idx="1"/>
+          </p:nvPr>
+        </p:nvSpPr>
+        <p:spPr/>
+        <p:txBody>
+          <a:bodyPr>
+            <a:normAutofit/>
+          </a:bodyPr>
+          <a:lstStyle/>
+          <a:p>
+            <a:pPr>
+              <a:buFont typeface="Arial" panose="020B0604020202020204" pitchFamily="34" charset="0"/>
+              <a:buChar char="•"/>
+            </a:pPr>
+            <a:r>
+              <a:rPr lang="en-US" altLang="ko-KR" dirty="0"/>
+              <a:t>Denoising Diffusion Models</a:t>
+            </a:r>
+          </a:p>
+        </p:txBody>
+      </p:sp>
+      <p:pic>
+        <p:nvPicPr>
+          <p:cNvPr id="6" name="그림 5" descr="텍스트, 친필, 종이, 종이 제품이(가) 표시된 사진&#10;&#10;자동 생성된 설명">
+            <a:extLst>
+              <a:ext uri="{FF2B5EF4-FFF2-40B4-BE49-F238E27FC236}">
+                <a16:creationId xmlns:a16="http://schemas.microsoft.com/office/drawing/2014/main" id="{0C9078B9-E6AB-141A-F628-E91DA673366A}"/>
+              </a:ext>
+            </a:extLst>
+          </p:cNvPr>
+          <p:cNvPicPr>
+            <a:picLocks noChangeAspect="1"/>
+          </p:cNvPicPr>
+          <p:nvPr/>
+        </p:nvPicPr>
+        <p:blipFill>
+          <a:blip r:embed="rId3"/>
+          <a:srcRect l="5445" t="3555" r="4667" b="20889"/>
+          <a:stretch/>
+        </p:blipFill>
+        <p:spPr>
+          <a:xfrm>
+            <a:off x="4149090" y="3651439"/>
+            <a:ext cx="9989820" cy="6297662"/>
+          </a:xfrm>
+          <a:prstGeom prst="rect">
+            <a:avLst/>
+          </a:prstGeom>
+        </p:spPr>
+      </p:pic>
+    </p:spTree>
+    <p:extLst>
+      <p:ext uri="{BB962C8B-B14F-4D97-AF65-F5344CB8AC3E}">
+        <p14:creationId xmlns:p14="http://schemas.microsoft.com/office/powerpoint/2010/main" val="507214642"/>
       </p:ext>
     </p:extLst>
   </p:cSld>
@@ -6553,35 +6333,6 @@
       </p:grpSpPr>
       <p:sp>
         <p:nvSpPr>
-          <p:cNvPr id="2" name="제목 1">
-            <a:extLst>
-              <a:ext uri="{FF2B5EF4-FFF2-40B4-BE49-F238E27FC236}">
-                <a16:creationId xmlns:a16="http://schemas.microsoft.com/office/drawing/2014/main" id="{0913F7B3-8D60-9993-49B4-D9D4AD54CA4D}"/>
-              </a:ext>
-            </a:extLst>
-          </p:cNvPr>
-          <p:cNvSpPr>
-            <a:spLocks noGrp="1"/>
-          </p:cNvSpPr>
-          <p:nvPr>
-            <p:ph type="title"/>
-          </p:nvPr>
-        </p:nvSpPr>
-        <p:spPr/>
-        <p:txBody>
-          <a:bodyPr/>
-          <a:lstStyle/>
-          <a:p>
-            <a:r>
-              <a:rPr lang="en-US" altLang="ko-KR" b="1" dirty="0"/>
-              <a:t>Results and Discussion</a:t>
-            </a:r>
-            <a:endParaRPr lang="ko-KR" altLang="en-US" dirty="0"/>
-          </a:p>
-        </p:txBody>
-      </p:sp>
-      <p:sp>
-        <p:nvSpPr>
           <p:cNvPr id="3" name="내용 개체 틀 2">
             <a:extLst>
               <a:ext uri="{FF2B5EF4-FFF2-40B4-BE49-F238E27FC236}">
@@ -6596,14 +6347,19 @@
             <p:ph idx="1"/>
           </p:nvPr>
         </p:nvSpPr>
-        <p:spPr/>
+        <p:spPr>
+          <a:xfrm>
+            <a:off x="896672" y="3293075"/>
+            <a:ext cx="7223865" cy="821725"/>
+          </a:xfrm>
+        </p:spPr>
         <p:txBody>
           <a:bodyPr>
             <a:normAutofit/>
           </a:bodyPr>
           <a:lstStyle/>
           <a:p>
-            <a:pPr>
+            <a:pPr algn="ctr">
               <a:buFont typeface="Arial" panose="020B0604020202020204" pitchFamily="34" charset="0"/>
               <a:buChar char="•"/>
             </a:pPr>
@@ -6636,8 +6392,8 @@
         </p:blipFill>
         <p:spPr>
           <a:xfrm>
-            <a:off x="2470545" y="3706048"/>
-            <a:ext cx="13346909" cy="5300317"/>
+            <a:off x="328577" y="4254341"/>
+            <a:ext cx="8360053" cy="3319939"/>
           </a:xfrm>
           <a:prstGeom prst="rect">
             <a:avLst/>
@@ -6649,6 +6405,269 @@
           </a:ln>
         </p:spPr>
       </p:pic>
+      <p:pic>
+        <p:nvPicPr>
+          <p:cNvPr id="4" name="그림 3">
+            <a:extLst>
+              <a:ext uri="{FF2B5EF4-FFF2-40B4-BE49-F238E27FC236}">
+                <a16:creationId xmlns:a16="http://schemas.microsoft.com/office/drawing/2014/main" id="{EDBDD7BD-B925-FDC9-D9AF-0C572560CC02}"/>
+              </a:ext>
+            </a:extLst>
+          </p:cNvPr>
+          <p:cNvPicPr>
+            <a:picLocks noChangeAspect="1"/>
+          </p:cNvPicPr>
+          <p:nvPr/>
+        </p:nvPicPr>
+        <p:blipFill>
+          <a:blip r:embed="rId4"/>
+          <a:srcRect l="2555" r="2201"/>
+          <a:stretch/>
+        </p:blipFill>
+        <p:spPr>
+          <a:xfrm>
+            <a:off x="8965816" y="4254341"/>
+            <a:ext cx="9037321" cy="3319939"/>
+          </a:xfrm>
+          <a:prstGeom prst="rect">
+            <a:avLst/>
+          </a:prstGeom>
+          <a:ln>
+            <a:solidFill>
+              <a:schemeClr val="tx1"/>
+            </a:solidFill>
+          </a:ln>
+        </p:spPr>
+      </p:pic>
+      <p:sp>
+        <p:nvSpPr>
+          <p:cNvPr id="6" name="내용 개체 틀 2">
+            <a:extLst>
+              <a:ext uri="{FF2B5EF4-FFF2-40B4-BE49-F238E27FC236}">
+                <a16:creationId xmlns:a16="http://schemas.microsoft.com/office/drawing/2014/main" id="{F4FF8AD0-DBF5-65C7-B96F-F81ED650A952}"/>
+              </a:ext>
+            </a:extLst>
+          </p:cNvPr>
+          <p:cNvSpPr txBox="1">
+            <a:spLocks/>
+          </p:cNvSpPr>
+          <p:nvPr/>
+        </p:nvSpPr>
+        <p:spPr>
+          <a:xfrm>
+            <a:off x="9872545" y="3293074"/>
+            <a:ext cx="7223865" cy="821725"/>
+          </a:xfrm>
+          <a:prstGeom prst="rect">
+            <a:avLst/>
+          </a:prstGeom>
+        </p:spPr>
+        <p:txBody>
+          <a:bodyPr vert="horz" lIns="91440" tIns="45720" rIns="91440" bIns="45720" rtlCol="0">
+            <a:normAutofit/>
+          </a:bodyPr>
+          <a:lstStyle>
+            <a:lvl1pPr marL="342900" indent="-342900" algn="l" defTabSz="1371600" rtl="0" eaLnBrk="1" latinLnBrk="1" hangingPunct="1">
+              <a:lnSpc>
+                <a:spcPct val="90000"/>
+              </a:lnSpc>
+              <a:spcBef>
+                <a:spcPts val="1500"/>
+              </a:spcBef>
+              <a:buFont typeface="Arial" panose="020B0604020202020204" pitchFamily="34" charset="0"/>
+              <a:buChar char="•"/>
+              <a:defRPr sz="4200" kern="1200">
+                <a:solidFill>
+                  <a:schemeClr val="tx1"/>
+                </a:solidFill>
+                <a:latin typeface="+mn-lt"/>
+                <a:ea typeface="+mn-ea"/>
+                <a:cs typeface="+mn-cs"/>
+              </a:defRPr>
+            </a:lvl1pPr>
+            <a:lvl2pPr marL="1028700" indent="-342900" algn="l" defTabSz="1371600" rtl="0" eaLnBrk="1" latinLnBrk="1" hangingPunct="1">
+              <a:lnSpc>
+                <a:spcPct val="90000"/>
+              </a:lnSpc>
+              <a:spcBef>
+                <a:spcPts val="750"/>
+              </a:spcBef>
+              <a:buFont typeface="Arial" panose="020B0604020202020204" pitchFamily="34" charset="0"/>
+              <a:buChar char="•"/>
+              <a:defRPr sz="3600" kern="1200">
+                <a:solidFill>
+                  <a:schemeClr val="tx1"/>
+                </a:solidFill>
+                <a:latin typeface="+mn-lt"/>
+                <a:ea typeface="+mn-ea"/>
+                <a:cs typeface="+mn-cs"/>
+              </a:defRPr>
+            </a:lvl2pPr>
+            <a:lvl3pPr marL="1714500" indent="-342900" algn="l" defTabSz="1371600" rtl="0" eaLnBrk="1" latinLnBrk="1" hangingPunct="1">
+              <a:lnSpc>
+                <a:spcPct val="90000"/>
+              </a:lnSpc>
+              <a:spcBef>
+                <a:spcPts val="750"/>
+              </a:spcBef>
+              <a:buFont typeface="Arial" panose="020B0604020202020204" pitchFamily="34" charset="0"/>
+              <a:buChar char="•"/>
+              <a:defRPr sz="3000" kern="1200">
+                <a:solidFill>
+                  <a:schemeClr val="tx1"/>
+                </a:solidFill>
+                <a:latin typeface="+mn-lt"/>
+                <a:ea typeface="+mn-ea"/>
+                <a:cs typeface="+mn-cs"/>
+              </a:defRPr>
+            </a:lvl3pPr>
+            <a:lvl4pPr marL="2400300" indent="-342900" algn="l" defTabSz="1371600" rtl="0" eaLnBrk="1" latinLnBrk="1" hangingPunct="1">
+              <a:lnSpc>
+                <a:spcPct val="90000"/>
+              </a:lnSpc>
+              <a:spcBef>
+                <a:spcPts val="750"/>
+              </a:spcBef>
+              <a:buFont typeface="Arial" panose="020B0604020202020204" pitchFamily="34" charset="0"/>
+              <a:buChar char="•"/>
+              <a:defRPr sz="2700" kern="1200">
+                <a:solidFill>
+                  <a:schemeClr val="tx1"/>
+                </a:solidFill>
+                <a:latin typeface="+mn-lt"/>
+                <a:ea typeface="+mn-ea"/>
+                <a:cs typeface="+mn-cs"/>
+              </a:defRPr>
+            </a:lvl4pPr>
+            <a:lvl5pPr marL="3086100" indent="-342900" algn="l" defTabSz="1371600" rtl="0" eaLnBrk="1" latinLnBrk="1" hangingPunct="1">
+              <a:lnSpc>
+                <a:spcPct val="90000"/>
+              </a:lnSpc>
+              <a:spcBef>
+                <a:spcPts val="750"/>
+              </a:spcBef>
+              <a:buFont typeface="Arial" panose="020B0604020202020204" pitchFamily="34" charset="0"/>
+              <a:buChar char="•"/>
+              <a:defRPr sz="2700" kern="1200">
+                <a:solidFill>
+                  <a:schemeClr val="tx1"/>
+                </a:solidFill>
+                <a:latin typeface="+mn-lt"/>
+                <a:ea typeface="+mn-ea"/>
+                <a:cs typeface="+mn-cs"/>
+              </a:defRPr>
+            </a:lvl5pPr>
+            <a:lvl6pPr marL="3771900" indent="-342900" algn="l" defTabSz="1371600" rtl="0" eaLnBrk="1" latinLnBrk="1" hangingPunct="1">
+              <a:lnSpc>
+                <a:spcPct val="90000"/>
+              </a:lnSpc>
+              <a:spcBef>
+                <a:spcPts val="750"/>
+              </a:spcBef>
+              <a:buFont typeface="Arial" panose="020B0604020202020204" pitchFamily="34" charset="0"/>
+              <a:buChar char="•"/>
+              <a:defRPr sz="2700" kern="1200">
+                <a:solidFill>
+                  <a:schemeClr val="tx1"/>
+                </a:solidFill>
+                <a:latin typeface="+mn-lt"/>
+                <a:ea typeface="+mn-ea"/>
+                <a:cs typeface="+mn-cs"/>
+              </a:defRPr>
+            </a:lvl6pPr>
+            <a:lvl7pPr marL="4457700" indent="-342900" algn="l" defTabSz="1371600" rtl="0" eaLnBrk="1" latinLnBrk="1" hangingPunct="1">
+              <a:lnSpc>
+                <a:spcPct val="90000"/>
+              </a:lnSpc>
+              <a:spcBef>
+                <a:spcPts val="750"/>
+              </a:spcBef>
+              <a:buFont typeface="Arial" panose="020B0604020202020204" pitchFamily="34" charset="0"/>
+              <a:buChar char="•"/>
+              <a:defRPr sz="2700" kern="1200">
+                <a:solidFill>
+                  <a:schemeClr val="tx1"/>
+                </a:solidFill>
+                <a:latin typeface="+mn-lt"/>
+                <a:ea typeface="+mn-ea"/>
+                <a:cs typeface="+mn-cs"/>
+              </a:defRPr>
+            </a:lvl7pPr>
+            <a:lvl8pPr marL="5143500" indent="-342900" algn="l" defTabSz="1371600" rtl="0" eaLnBrk="1" latinLnBrk="1" hangingPunct="1">
+              <a:lnSpc>
+                <a:spcPct val="90000"/>
+              </a:lnSpc>
+              <a:spcBef>
+                <a:spcPts val="750"/>
+              </a:spcBef>
+              <a:buFont typeface="Arial" panose="020B0604020202020204" pitchFamily="34" charset="0"/>
+              <a:buChar char="•"/>
+              <a:defRPr sz="2700" kern="1200">
+                <a:solidFill>
+                  <a:schemeClr val="tx1"/>
+                </a:solidFill>
+                <a:latin typeface="+mn-lt"/>
+                <a:ea typeface="+mn-ea"/>
+                <a:cs typeface="+mn-cs"/>
+              </a:defRPr>
+            </a:lvl8pPr>
+            <a:lvl9pPr marL="5829300" indent="-342900" algn="l" defTabSz="1371600" rtl="0" eaLnBrk="1" latinLnBrk="1" hangingPunct="1">
+              <a:lnSpc>
+                <a:spcPct val="90000"/>
+              </a:lnSpc>
+              <a:spcBef>
+                <a:spcPts val="750"/>
+              </a:spcBef>
+              <a:buFont typeface="Arial" panose="020B0604020202020204" pitchFamily="34" charset="0"/>
+              <a:buChar char="•"/>
+              <a:defRPr sz="2700" kern="1200">
+                <a:solidFill>
+                  <a:schemeClr val="tx1"/>
+                </a:solidFill>
+                <a:latin typeface="+mn-lt"/>
+                <a:ea typeface="+mn-ea"/>
+                <a:cs typeface="+mn-cs"/>
+              </a:defRPr>
+            </a:lvl9pPr>
+          </a:lstStyle>
+          <a:p>
+            <a:pPr algn="ctr"/>
+            <a:r>
+              <a:rPr lang="en-US" altLang="ko-KR" dirty="0"/>
+              <a:t>Ablation Study</a:t>
+            </a:r>
+          </a:p>
+        </p:txBody>
+      </p:sp>
+      <p:sp>
+        <p:nvSpPr>
+          <p:cNvPr id="13" name="제목 12">
+            <a:extLst>
+              <a:ext uri="{FF2B5EF4-FFF2-40B4-BE49-F238E27FC236}">
+                <a16:creationId xmlns:a16="http://schemas.microsoft.com/office/drawing/2014/main" id="{F04F5C5A-58DA-FF3F-8530-AFDC4B1E84C9}"/>
+              </a:ext>
+            </a:extLst>
+          </p:cNvPr>
+          <p:cNvSpPr>
+            <a:spLocks noGrp="1"/>
+          </p:cNvSpPr>
+          <p:nvPr>
+            <p:ph type="title"/>
+          </p:nvPr>
+        </p:nvSpPr>
+        <p:spPr/>
+        <p:txBody>
+          <a:bodyPr/>
+          <a:lstStyle/>
+          <a:p>
+            <a:r>
+              <a:rPr lang="en-US" altLang="ko-KR" b="1" dirty="0"/>
+              <a:t>Results and Discussion</a:t>
+            </a:r>
+            <a:endParaRPr lang="ko-KR" altLang="en-US" dirty="0"/>
+          </a:p>
+        </p:txBody>
+      </p:sp>
     </p:spTree>
     <p:extLst>
       <p:ext uri="{BB962C8B-B14F-4D97-AF65-F5344CB8AC3E}">
